--- a/9.Middleware/Middleware.pptx
+++ b/9.Middleware/Middleware.pptx
@@ -15,9 +15,9 @@
     <p:sldId id="287" r:id="rId6"/>
     <p:sldId id="293" r:id="rId7"/>
     <p:sldId id="294" r:id="rId8"/>
-    <p:sldId id="291" r:id="rId9"/>
-    <p:sldId id="290" r:id="rId10"/>
-    <p:sldId id="292" r:id="rId11"/>
+    <p:sldId id="292" r:id="rId9"/>
+    <p:sldId id="291" r:id="rId10"/>
+    <p:sldId id="290" r:id="rId11"/>
     <p:sldId id="295" r:id="rId12"/>
     <p:sldId id="259" r:id="rId13"/>
   </p:sldIdLst>
@@ -1668,7 +1668,7 @@
     </p:spTree>
     <p:extLst>
       <p:ext uri="{BB962C8B-B14F-4D97-AF65-F5344CB8AC3E}">
-        <p14:creationId xmlns:p14="http://schemas.microsoft.com/office/powerpoint/2010/main" val="2627762280"/>
+        <p14:creationId xmlns:p14="http://schemas.microsoft.com/office/powerpoint/2010/main" val="782777038"/>
       </p:ext>
     </p:extLst>
   </p:cSld>
@@ -3400,7 +3400,7 @@
     </p:spTree>
     <p:extLst>
       <p:ext uri="{BB962C8B-B14F-4D97-AF65-F5344CB8AC3E}">
-        <p14:creationId xmlns:p14="http://schemas.microsoft.com/office/powerpoint/2010/main" val="2735610756"/>
+        <p14:creationId xmlns:p14="http://schemas.microsoft.com/office/powerpoint/2010/main" val="2627762280"/>
       </p:ext>
     </p:extLst>
   </p:cSld>
@@ -3593,7 +3593,7 @@
     </p:spTree>
     <p:extLst>
       <p:ext uri="{BB962C8B-B14F-4D97-AF65-F5344CB8AC3E}">
-        <p14:creationId xmlns:p14="http://schemas.microsoft.com/office/powerpoint/2010/main" val="782777038"/>
+        <p14:creationId xmlns:p14="http://schemas.microsoft.com/office/powerpoint/2010/main" val="2735610756"/>
       </p:ext>
     </p:extLst>
   </p:cSld>
@@ -19634,7 +19634,7 @@
         </p:nvSpPr>
         <p:spPr>
           <a:xfrm>
-            <a:off x="398475" y="1890423"/>
+            <a:off x="353700" y="1313378"/>
             <a:ext cx="7772400" cy="602100"/>
           </a:xfrm>
           <a:prstGeom prst="rect">
@@ -19666,16 +19666,25 @@
               <a:buNone/>
             </a:pPr>
             <a:r>
-              <a:rPr lang="en-US" sz="4100" i="0" u="none" strike="noStrike" cap="none" dirty="0">
-                <a:solidFill>
-                  <a:schemeClr val="dk1"/>
-                </a:solidFill>
+              <a:rPr lang="en-US" sz="4100" dirty="0">
                 <a:latin typeface="Roboto"/>
                 <a:ea typeface="Roboto"/>
                 <a:cs typeface="Roboto"/>
                 <a:sym typeface="Roboto"/>
               </a:rPr>
-              <a:t>Use()</a:t>
+              <a:t>Map</a:t>
+            </a:r>
+            <a:r>
+              <a:rPr lang="en-US" sz="4100" i="0" u="none" strike="noStrike" cap="none" dirty="0">
+                <a:solidFill>
+                  <a:schemeClr val="dk1"/>
+                </a:solidFill>
+                <a:latin typeface="Roboto"/>
+                <a:ea typeface="Roboto"/>
+                <a:cs typeface="Roboto"/>
+                <a:sym typeface="Roboto"/>
+              </a:rPr>
+              <a:t>()</a:t>
             </a:r>
             <a:endParaRPr sz="4100" i="0" u="none" strike="noStrike" cap="none" dirty="0">
               <a:solidFill>
@@ -19701,8 +19710,8 @@
         </p:nvSpPr>
         <p:spPr>
           <a:xfrm>
-            <a:off x="451325" y="2862873"/>
-            <a:ext cx="7719600" cy="2454848"/>
+            <a:off x="406550" y="2285828"/>
+            <a:ext cx="7719600" cy="1709124"/>
           </a:xfrm>
           <a:prstGeom prst="rect">
             <a:avLst/>
@@ -19757,7 +19766,7 @@
                 <a:cs typeface="Roboto"/>
                 <a:sym typeface="Roboto"/>
               </a:rPr>
-              <a:t>Use </a:t>
+              <a:t>Map </a:t>
             </a:r>
             <a:r>
               <a:rPr lang="ru-RU" dirty="0">
@@ -19769,10 +19778,10 @@
                 <a:cs typeface="Roboto"/>
                 <a:sym typeface="Roboto"/>
               </a:rPr>
-              <a:t>обьявляется стандартное </a:t>
+              <a:t>происходит маппинг выбраной конечной точки к делегату подходящего </a:t>
             </a:r>
             <a:r>
-              <a:rPr lang="en-US" dirty="0">
+              <a:rPr lang="en-US" dirty="0" err="1">
                 <a:solidFill>
                   <a:schemeClr val="tx1"/>
                 </a:solidFill>
@@ -19781,7 +19790,7 @@
                 <a:cs typeface="Roboto"/>
                 <a:sym typeface="Roboto"/>
               </a:rPr>
-              <a:t>middleware</a:t>
+              <a:t>action`a</a:t>
             </a:r>
             <a:r>
               <a:rPr lang="ru-RU" dirty="0">
@@ -19793,101 +19802,8 @@
                 <a:cs typeface="Roboto"/>
                 <a:sym typeface="Roboto"/>
               </a:rPr>
-              <a:t>, которых может быть несколько в конвеере обработки запроса. Параметр </a:t>
+              <a:t>.</a:t>
             </a:r>
-            <a:r>
-              <a:rPr lang="en-US" i="1" dirty="0">
-                <a:solidFill>
-                  <a:schemeClr val="tx1"/>
-                </a:solidFill>
-                <a:latin typeface="Roboto"/>
-                <a:ea typeface="Roboto"/>
-                <a:cs typeface="Roboto"/>
-                <a:sym typeface="Roboto"/>
-              </a:rPr>
-              <a:t>next </a:t>
-            </a:r>
-            <a:r>
-              <a:rPr lang="ru-RU" dirty="0">
-                <a:solidFill>
-                  <a:schemeClr val="tx1"/>
-                </a:solidFill>
-                <a:latin typeface="Roboto"/>
-                <a:ea typeface="Roboto"/>
-                <a:cs typeface="Roboto"/>
-                <a:sym typeface="Roboto"/>
-              </a:rPr>
-              <a:t>анонимного метода что передается в </a:t>
-            </a:r>
-            <a:r>
-              <a:rPr lang="en-US" dirty="0">
-                <a:solidFill>
-                  <a:schemeClr val="tx1"/>
-                </a:solidFill>
-                <a:latin typeface="Roboto"/>
-                <a:ea typeface="Roboto"/>
-                <a:cs typeface="Roboto"/>
-                <a:sym typeface="Roboto"/>
-              </a:rPr>
-              <a:t>Use</a:t>
-            </a:r>
-            <a:r>
-              <a:rPr lang="ru-RU" dirty="0">
-                <a:solidFill>
-                  <a:schemeClr val="tx1"/>
-                </a:solidFill>
-                <a:latin typeface="Roboto"/>
-                <a:ea typeface="Roboto"/>
-                <a:cs typeface="Roboto"/>
-                <a:sym typeface="Roboto"/>
-              </a:rPr>
-              <a:t> указывает на следуюющее </a:t>
-            </a:r>
-            <a:r>
-              <a:rPr lang="en-US" dirty="0">
-                <a:solidFill>
-                  <a:schemeClr val="tx1"/>
-                </a:solidFill>
-                <a:latin typeface="Roboto"/>
-                <a:ea typeface="Roboto"/>
-                <a:cs typeface="Roboto"/>
-                <a:sym typeface="Roboto"/>
-              </a:rPr>
-              <a:t>middleware</a:t>
-            </a:r>
-            <a:r>
-              <a:rPr lang="ru-RU" dirty="0">
-                <a:solidFill>
-                  <a:schemeClr val="tx1"/>
-                </a:solidFill>
-                <a:latin typeface="Roboto"/>
-                <a:ea typeface="Roboto"/>
-                <a:cs typeface="Roboto"/>
-                <a:sym typeface="Roboto"/>
-              </a:rPr>
-              <a:t>. Таким образом можно выполнять действие до и после выполнения следующего </a:t>
-            </a:r>
-            <a:r>
-              <a:rPr lang="en-US" dirty="0">
-                <a:solidFill>
-                  <a:schemeClr val="tx1"/>
-                </a:solidFill>
-                <a:latin typeface="Roboto"/>
-                <a:ea typeface="Roboto"/>
-                <a:cs typeface="Roboto"/>
-                <a:sym typeface="Roboto"/>
-              </a:rPr>
-              <a:t>middleware.</a:t>
-            </a:r>
-            <a:endParaRPr lang="ru-RU" i="1" dirty="0">
-              <a:solidFill>
-                <a:schemeClr val="tx1"/>
-              </a:solidFill>
-              <a:latin typeface="Roboto"/>
-              <a:ea typeface="Roboto"/>
-              <a:cs typeface="Roboto"/>
-              <a:sym typeface="Roboto"/>
-            </a:endParaRPr>
           </a:p>
           <a:p>
             <a:pPr marL="0" marR="0" lvl="0" indent="0" rtl="0">
@@ -20132,7 +20048,7 @@
           <p:cNvPr id="2" name="Picture 1">
             <a:extLst>
               <a:ext uri="{FF2B5EF4-FFF2-40B4-BE49-F238E27FC236}">
-                <a16:creationId xmlns:a16="http://schemas.microsoft.com/office/drawing/2014/main" id="{DD3DB4FF-D29C-4FA9-8653-16A7982C869D}"/>
+                <a16:creationId xmlns:a16="http://schemas.microsoft.com/office/drawing/2014/main" id="{43754517-64B3-4F17-AA69-F3E844689573}"/>
               </a:ext>
             </a:extLst>
           </p:cNvPr>
@@ -20149,8 +20065,8 @@
         </p:blipFill>
         <p:spPr>
           <a:xfrm>
-            <a:off x="1842706" y="5317721"/>
-            <a:ext cx="5458587" cy="1371791"/>
+            <a:off x="1535696" y="3412750"/>
+            <a:ext cx="5781675" cy="3143250"/>
           </a:xfrm>
           <a:prstGeom prst="rect">
             <a:avLst/>
@@ -20160,7 +20076,7 @@
     </p:spTree>
     <p:extLst>
       <p:ext uri="{BB962C8B-B14F-4D97-AF65-F5344CB8AC3E}">
-        <p14:creationId xmlns:p14="http://schemas.microsoft.com/office/powerpoint/2010/main" val="3359682671"/>
+        <p14:creationId xmlns:p14="http://schemas.microsoft.com/office/powerpoint/2010/main" val="2902742813"/>
       </p:ext>
     </p:extLst>
   </p:cSld>
@@ -24011,7 +23927,7 @@
         </p:nvSpPr>
         <p:spPr>
           <a:xfrm>
-            <a:off x="398475" y="1846036"/>
+            <a:off x="398475" y="1890423"/>
             <a:ext cx="7772400" cy="602100"/>
           </a:xfrm>
           <a:prstGeom prst="rect">
@@ -24043,25 +23959,16 @@
               <a:buNone/>
             </a:pPr>
             <a:r>
-              <a:rPr lang="en-US" sz="4100" dirty="0">
+              <a:rPr lang="en-US" sz="4100" i="0" u="none" strike="noStrike" cap="none" dirty="0">
+                <a:solidFill>
+                  <a:schemeClr val="dk1"/>
+                </a:solidFill>
                 <a:latin typeface="Roboto"/>
                 <a:ea typeface="Roboto"/>
                 <a:cs typeface="Roboto"/>
                 <a:sym typeface="Roboto"/>
               </a:rPr>
-              <a:t>Run</a:t>
-            </a:r>
-            <a:r>
-              <a:rPr lang="en-US" sz="4100" i="0" u="none" strike="noStrike" cap="none" dirty="0">
-                <a:solidFill>
-                  <a:schemeClr val="dk1"/>
-                </a:solidFill>
-                <a:latin typeface="Roboto"/>
-                <a:ea typeface="Roboto"/>
-                <a:cs typeface="Roboto"/>
-                <a:sym typeface="Roboto"/>
-              </a:rPr>
-              <a:t>()</a:t>
+              <a:t>Use()</a:t>
             </a:r>
             <a:endParaRPr sz="4100" i="0" u="none" strike="noStrike" cap="none" dirty="0">
               <a:solidFill>
@@ -24087,8 +23994,8 @@
         </p:nvSpPr>
         <p:spPr>
           <a:xfrm>
-            <a:off x="451325" y="2765218"/>
-            <a:ext cx="7719600" cy="2037600"/>
+            <a:off x="451325" y="2862873"/>
+            <a:ext cx="7719600" cy="2454848"/>
           </a:xfrm>
           <a:prstGeom prst="rect">
             <a:avLst/>
@@ -24143,7 +24050,7 @@
                 <a:cs typeface="Roboto"/>
                 <a:sym typeface="Roboto"/>
               </a:rPr>
-              <a:t>Run</a:t>
+              <a:t>Use </a:t>
             </a:r>
             <a:r>
               <a:rPr lang="ru-RU" dirty="0">
@@ -24155,55 +24062,7 @@
                 <a:cs typeface="Roboto"/>
                 <a:sym typeface="Roboto"/>
               </a:rPr>
-              <a:t> обьявляется </a:t>
-            </a:r>
-            <a:r>
-              <a:rPr lang="en-US" b="1" i="1" dirty="0">
-                <a:solidFill>
-                  <a:schemeClr val="tx1"/>
-                </a:solidFill>
-                <a:latin typeface="Roboto"/>
-                <a:ea typeface="Roboto"/>
-                <a:cs typeface="Roboto"/>
-                <a:sym typeface="Roboto"/>
-              </a:rPr>
-              <a:t>terminal middleware</a:t>
-            </a:r>
-            <a:r>
-              <a:rPr lang="ru-RU" dirty="0">
-                <a:solidFill>
-                  <a:schemeClr val="tx1"/>
-                </a:solidFill>
-                <a:latin typeface="Roboto"/>
-                <a:ea typeface="Roboto"/>
-                <a:cs typeface="Roboto"/>
-                <a:sym typeface="Roboto"/>
-              </a:rPr>
-              <a:t>. Это </a:t>
-            </a:r>
-            <a:r>
-              <a:rPr lang="en-US" dirty="0">
-                <a:solidFill>
-                  <a:schemeClr val="tx1"/>
-                </a:solidFill>
-                <a:latin typeface="Roboto"/>
-                <a:ea typeface="Roboto"/>
-                <a:cs typeface="Roboto"/>
-                <a:sym typeface="Roboto"/>
-              </a:rPr>
-              <a:t>middleware </a:t>
-            </a:r>
-            <a:r>
-              <a:rPr lang="ru-RU" dirty="0">
-                <a:solidFill>
-                  <a:schemeClr val="tx1"/>
-                </a:solidFill>
-                <a:latin typeface="Roboto"/>
-                <a:ea typeface="Roboto"/>
-                <a:cs typeface="Roboto"/>
-                <a:sym typeface="Roboto"/>
-              </a:rPr>
-              <a:t>которое указывает на окончание конвеера обработки запроса. Это означает что больше ни одно </a:t>
+              <a:t>обьявляется стандартное </a:t>
             </a:r>
             <a:r>
               <a:rPr lang="en-US" dirty="0">
@@ -24227,10 +24086,10 @@
                 <a:cs typeface="Roboto"/>
                 <a:sym typeface="Roboto"/>
               </a:rPr>
-              <a:t> не будет вызвано</a:t>
+              <a:t>, которых может быть несколько в конвеере обработки запроса. Параметр </a:t>
             </a:r>
             <a:r>
-              <a:rPr lang="en-US" dirty="0">
+              <a:rPr lang="en-US" i="1" dirty="0">
                 <a:solidFill>
                   <a:schemeClr val="tx1"/>
                 </a:solidFill>
@@ -24239,7 +24098,7 @@
                 <a:cs typeface="Roboto"/>
                 <a:sym typeface="Roboto"/>
               </a:rPr>
-              <a:t> </a:t>
+              <a:t>next </a:t>
             </a:r>
             <a:r>
               <a:rPr lang="ru-RU" dirty="0">
@@ -24251,8 +24110,77 @@
                 <a:cs typeface="Roboto"/>
                 <a:sym typeface="Roboto"/>
               </a:rPr>
-              <a:t>для обработки запроса после данного.</a:t>
+              <a:t>анонимного метода что передается в </a:t>
             </a:r>
+            <a:r>
+              <a:rPr lang="en-US" dirty="0">
+                <a:solidFill>
+                  <a:schemeClr val="tx1"/>
+                </a:solidFill>
+                <a:latin typeface="Roboto"/>
+                <a:ea typeface="Roboto"/>
+                <a:cs typeface="Roboto"/>
+                <a:sym typeface="Roboto"/>
+              </a:rPr>
+              <a:t>Use</a:t>
+            </a:r>
+            <a:r>
+              <a:rPr lang="ru-RU" dirty="0">
+                <a:solidFill>
+                  <a:schemeClr val="tx1"/>
+                </a:solidFill>
+                <a:latin typeface="Roboto"/>
+                <a:ea typeface="Roboto"/>
+                <a:cs typeface="Roboto"/>
+                <a:sym typeface="Roboto"/>
+              </a:rPr>
+              <a:t> указывает на следуюющее </a:t>
+            </a:r>
+            <a:r>
+              <a:rPr lang="en-US" dirty="0">
+                <a:solidFill>
+                  <a:schemeClr val="tx1"/>
+                </a:solidFill>
+                <a:latin typeface="Roboto"/>
+                <a:ea typeface="Roboto"/>
+                <a:cs typeface="Roboto"/>
+                <a:sym typeface="Roboto"/>
+              </a:rPr>
+              <a:t>middleware</a:t>
+            </a:r>
+            <a:r>
+              <a:rPr lang="ru-RU" dirty="0">
+                <a:solidFill>
+                  <a:schemeClr val="tx1"/>
+                </a:solidFill>
+                <a:latin typeface="Roboto"/>
+                <a:ea typeface="Roboto"/>
+                <a:cs typeface="Roboto"/>
+                <a:sym typeface="Roboto"/>
+              </a:rPr>
+              <a:t>. Таким образом можно выполнять действие до и после выполнения следующего </a:t>
+            </a:r>
+            <a:r>
+              <a:rPr lang="en-US" dirty="0">
+                <a:solidFill>
+                  <a:schemeClr val="tx1"/>
+                </a:solidFill>
+                <a:latin typeface="Roboto"/>
+                <a:ea typeface="Roboto"/>
+                <a:cs typeface="Roboto"/>
+                <a:sym typeface="Roboto"/>
+              </a:rPr>
+              <a:t>middleware.</a:t>
+            </a:r>
+            <a:endParaRPr lang="ru-RU" i="1" dirty="0">
+              <a:solidFill>
+                <a:schemeClr val="tx1"/>
+              </a:solidFill>
+              <a:latin typeface="Roboto"/>
+              <a:ea typeface="Roboto"/>
+              <a:cs typeface="Roboto"/>
+              <a:sym typeface="Roboto"/>
+            </a:endParaRPr>
           </a:p>
           <a:p>
             <a:pPr marL="0" marR="0" lvl="0" indent="0" rtl="0">
@@ -24494,10 +24422,10 @@
       </p:sp>
       <p:pic>
         <p:nvPicPr>
-          <p:cNvPr id="3" name="Picture 2">
+          <p:cNvPr id="2" name="Picture 1">
             <a:extLst>
               <a:ext uri="{FF2B5EF4-FFF2-40B4-BE49-F238E27FC236}">
-                <a16:creationId xmlns:a16="http://schemas.microsoft.com/office/drawing/2014/main" id="{3CCC8F4B-4C4C-4DDC-97DD-010867923418}"/>
+                <a16:creationId xmlns:a16="http://schemas.microsoft.com/office/drawing/2014/main" id="{DD3DB4FF-D29C-4FA9-8653-16A7982C869D}"/>
               </a:ext>
             </a:extLst>
           </p:cNvPr>
@@ -24514,8 +24442,8 @@
         </p:blipFill>
         <p:spPr>
           <a:xfrm>
-            <a:off x="2115306" y="5017125"/>
-            <a:ext cx="4391638" cy="1257475"/>
+            <a:off x="1842706" y="5317721"/>
+            <a:ext cx="5458587" cy="1371791"/>
           </a:xfrm>
           <a:prstGeom prst="rect">
             <a:avLst/>
@@ -24525,7 +24453,7 @@
     </p:spTree>
     <p:extLst>
       <p:ext uri="{BB962C8B-B14F-4D97-AF65-F5344CB8AC3E}">
-        <p14:creationId xmlns:p14="http://schemas.microsoft.com/office/powerpoint/2010/main" val="1921761803"/>
+        <p14:creationId xmlns:p14="http://schemas.microsoft.com/office/powerpoint/2010/main" val="3359682671"/>
       </p:ext>
     </p:extLst>
   </p:cSld>
@@ -24567,7 +24495,7 @@
         </p:nvSpPr>
         <p:spPr>
           <a:xfrm>
-            <a:off x="398475" y="1854916"/>
+            <a:off x="353700" y="1493126"/>
             <a:ext cx="7772400" cy="602100"/>
           </a:xfrm>
           <a:prstGeom prst="rect">
@@ -24605,7 +24533,7 @@
                 <a:cs typeface="Roboto"/>
                 <a:sym typeface="Roboto"/>
               </a:rPr>
-              <a:t>Map</a:t>
+              <a:t>Run</a:t>
             </a:r>
             <a:r>
               <a:rPr lang="en-US" sz="4100" i="0" u="none" strike="noStrike" cap="none" dirty="0">
@@ -24643,8 +24571,8 @@
         </p:nvSpPr>
         <p:spPr>
           <a:xfrm>
-            <a:off x="451325" y="2827366"/>
-            <a:ext cx="7719600" cy="1709124"/>
+            <a:off x="406550" y="2412308"/>
+            <a:ext cx="7719600" cy="2037600"/>
           </a:xfrm>
           <a:prstGeom prst="rect">
             <a:avLst/>
@@ -24699,7 +24627,7 @@
                 <a:cs typeface="Roboto"/>
                 <a:sym typeface="Roboto"/>
               </a:rPr>
-              <a:t>Map </a:t>
+              <a:t>Run</a:t>
             </a:r>
             <a:r>
               <a:rPr lang="ru-RU" dirty="0">
@@ -24711,10 +24639,10 @@
                 <a:cs typeface="Roboto"/>
                 <a:sym typeface="Roboto"/>
               </a:rPr>
-              <a:t>происходит маппинг выбраной конечной точки к делегату подходящего </a:t>
+              <a:t> обьявляется </a:t>
             </a:r>
             <a:r>
-              <a:rPr lang="en-US" dirty="0" err="1">
+              <a:rPr lang="en-US" b="1" i="1" dirty="0">
                 <a:solidFill>
                   <a:schemeClr val="tx1"/>
                 </a:solidFill>
@@ -24723,7 +24651,7 @@
                 <a:cs typeface="Roboto"/>
                 <a:sym typeface="Roboto"/>
               </a:rPr>
-              <a:t>action`a</a:t>
+              <a:t>terminal middleware</a:t>
             </a:r>
             <a:r>
               <a:rPr lang="ru-RU" dirty="0">
@@ -24735,7 +24663,79 @@
                 <a:cs typeface="Roboto"/>
                 <a:sym typeface="Roboto"/>
               </a:rPr>
-              <a:t>.</a:t>
+              <a:t>. Это </a:t>
+            </a:r>
+            <a:r>
+              <a:rPr lang="en-US" dirty="0">
+                <a:solidFill>
+                  <a:schemeClr val="tx1"/>
+                </a:solidFill>
+                <a:latin typeface="Roboto"/>
+                <a:ea typeface="Roboto"/>
+                <a:cs typeface="Roboto"/>
+                <a:sym typeface="Roboto"/>
+              </a:rPr>
+              <a:t>middleware </a:t>
+            </a:r>
+            <a:r>
+              <a:rPr lang="ru-RU" dirty="0">
+                <a:solidFill>
+                  <a:schemeClr val="tx1"/>
+                </a:solidFill>
+                <a:latin typeface="Roboto"/>
+                <a:ea typeface="Roboto"/>
+                <a:cs typeface="Roboto"/>
+                <a:sym typeface="Roboto"/>
+              </a:rPr>
+              <a:t>которое указывает на окончание конвеера обработки запроса. Это означает что больше ни одно </a:t>
+            </a:r>
+            <a:r>
+              <a:rPr lang="en-US" dirty="0">
+                <a:solidFill>
+                  <a:schemeClr val="tx1"/>
+                </a:solidFill>
+                <a:latin typeface="Roboto"/>
+                <a:ea typeface="Roboto"/>
+                <a:cs typeface="Roboto"/>
+                <a:sym typeface="Roboto"/>
+              </a:rPr>
+              <a:t>middleware</a:t>
+            </a:r>
+            <a:r>
+              <a:rPr lang="ru-RU" dirty="0">
+                <a:solidFill>
+                  <a:schemeClr val="tx1"/>
+                </a:solidFill>
+                <a:latin typeface="Roboto"/>
+                <a:ea typeface="Roboto"/>
+                <a:cs typeface="Roboto"/>
+                <a:sym typeface="Roboto"/>
+              </a:rPr>
+              <a:t> не будет вызвано</a:t>
+            </a:r>
+            <a:r>
+              <a:rPr lang="en-US" dirty="0">
+                <a:solidFill>
+                  <a:schemeClr val="tx1"/>
+                </a:solidFill>
+                <a:latin typeface="Roboto"/>
+                <a:ea typeface="Roboto"/>
+                <a:cs typeface="Roboto"/>
+                <a:sym typeface="Roboto"/>
+              </a:rPr>
+              <a:t> </a:t>
+            </a:r>
+            <a:r>
+              <a:rPr lang="ru-RU" dirty="0">
+                <a:solidFill>
+                  <a:schemeClr val="tx1"/>
+                </a:solidFill>
+                <a:latin typeface="Roboto"/>
+                <a:ea typeface="Roboto"/>
+                <a:cs typeface="Roboto"/>
+                <a:sym typeface="Roboto"/>
+              </a:rPr>
+              <a:t>для обработки запроса после данного.</a:t>
             </a:r>
           </a:p>
           <a:p>
@@ -24978,10 +24978,10 @@
       </p:sp>
       <p:pic>
         <p:nvPicPr>
-          <p:cNvPr id="4" name="Picture 3">
+          <p:cNvPr id="3" name="Picture 2">
             <a:extLst>
               <a:ext uri="{FF2B5EF4-FFF2-40B4-BE49-F238E27FC236}">
-                <a16:creationId xmlns:a16="http://schemas.microsoft.com/office/drawing/2014/main" id="{7540CAC9-EC1F-4DE1-86ED-943E348F94D3}"/>
+                <a16:creationId xmlns:a16="http://schemas.microsoft.com/office/drawing/2014/main" id="{3CCC8F4B-4C4C-4DDC-97DD-010867923418}"/>
               </a:ext>
             </a:extLst>
           </p:cNvPr>
@@ -24998,8 +24998,8 @@
         </p:blipFill>
         <p:spPr>
           <a:xfrm>
-            <a:off x="1591358" y="4452825"/>
-            <a:ext cx="5439534" cy="1609950"/>
+            <a:off x="2070531" y="4664215"/>
+            <a:ext cx="4391638" cy="1257475"/>
           </a:xfrm>
           <a:prstGeom prst="rect">
             <a:avLst/>
@@ -25009,7 +25009,7 @@
     </p:spTree>
     <p:extLst>
       <p:ext uri="{BB962C8B-B14F-4D97-AF65-F5344CB8AC3E}">
-        <p14:creationId xmlns:p14="http://schemas.microsoft.com/office/powerpoint/2010/main" val="2902742813"/>
+        <p14:creationId xmlns:p14="http://schemas.microsoft.com/office/powerpoint/2010/main" val="1921761803"/>
       </p:ext>
     </p:extLst>
   </p:cSld>
